--- a/Poster/Poster final.pptx
+++ b/Poster/Poster final.pptx
@@ -2144,34 +2144,12 @@
         </p:pic>
         <p:pic>
           <p:nvPicPr>
-            <p:cNvPr id="20" name="object 20"/>
+            <p:cNvPr id="21" name="object 21"/>
             <p:cNvPicPr/>
             <p:nvPr/>
           </p:nvPicPr>
           <p:blipFill>
             <a:blip r:embed="rId4" cstate="print"/>
-            <a:stretch>
-              <a:fillRect/>
-            </a:stretch>
-          </p:blipFill>
-          <p:spPr>
-            <a:xfrm>
-              <a:off x="2016887" y="13105512"/>
-              <a:ext cx="887234" cy="1067689"/>
-            </a:xfrm>
-            <a:prstGeom prst="rect">
-              <a:avLst/>
-            </a:prstGeom>
-          </p:spPr>
-        </p:pic>
-        <p:pic>
-          <p:nvPicPr>
-            <p:cNvPr id="21" name="object 21"/>
-            <p:cNvPicPr/>
-            <p:nvPr/>
-          </p:nvPicPr>
-          <p:blipFill>
-            <a:blip r:embed="rId5" cstate="print"/>
             <a:stretch>
               <a:fillRect/>
             </a:stretch>
@@ -2193,7 +2171,7 @@
             <p:nvPr/>
           </p:nvPicPr>
           <p:blipFill>
-            <a:blip r:embed="rId6" cstate="print"/>
+            <a:blip r:embed="rId5" cstate="print"/>
             <a:stretch>
               <a:fillRect/>
             </a:stretch>
@@ -2215,7 +2193,7 @@
             <p:nvPr/>
           </p:nvPicPr>
           <p:blipFill>
-            <a:blip r:embed="rId7" cstate="print"/>
+            <a:blip r:embed="rId6" cstate="print"/>
             <a:stretch>
               <a:fillRect/>
             </a:stretch>
@@ -2237,7 +2215,7 @@
             <p:nvPr/>
           </p:nvPicPr>
           <p:blipFill>
-            <a:blip r:embed="rId6" cstate="print"/>
+            <a:blip r:embed="rId5" cstate="print"/>
             <a:stretch>
               <a:fillRect/>
             </a:stretch>
@@ -2259,7 +2237,7 @@
             <p:nvPr/>
           </p:nvPicPr>
           <p:blipFill>
-            <a:blip r:embed="rId8" cstate="print"/>
+            <a:blip r:embed="rId7" cstate="print"/>
             <a:stretch>
               <a:fillRect/>
             </a:stretch>
@@ -2281,7 +2259,7 @@
             <p:nvPr/>
           </p:nvPicPr>
           <p:blipFill>
-            <a:blip r:embed="rId9" cstate="print"/>
+            <a:blip r:embed="rId8" cstate="print"/>
             <a:stretch>
               <a:fillRect/>
             </a:stretch>
@@ -2303,7 +2281,7 @@
             <p:nvPr/>
           </p:nvPicPr>
           <p:blipFill>
-            <a:blip r:embed="rId6" cstate="print"/>
+            <a:blip r:embed="rId5" cstate="print"/>
             <a:stretch>
               <a:fillRect/>
             </a:stretch>
@@ -2325,7 +2303,7 @@
             <p:nvPr/>
           </p:nvPicPr>
           <p:blipFill>
-            <a:blip r:embed="rId6" cstate="print"/>
+            <a:blip r:embed="rId5" cstate="print"/>
             <a:stretch>
               <a:fillRect/>
             </a:stretch>
@@ -2347,7 +2325,7 @@
             <p:nvPr/>
           </p:nvPicPr>
           <p:blipFill>
-            <a:blip r:embed="rId10" cstate="print"/>
+            <a:blip r:embed="rId9" cstate="print"/>
             <a:stretch>
               <a:fillRect/>
             </a:stretch>
@@ -2369,7 +2347,7 @@
             <p:nvPr/>
           </p:nvPicPr>
           <p:blipFill>
-            <a:blip r:embed="rId11" cstate="print"/>
+            <a:blip r:embed="rId10" cstate="print"/>
             <a:stretch>
               <a:fillRect/>
             </a:stretch>
@@ -2391,7 +2369,7 @@
             <p:nvPr/>
           </p:nvPicPr>
           <p:blipFill>
-            <a:blip r:embed="rId12" cstate="print"/>
+            <a:blip r:embed="rId11" cstate="print"/>
             <a:stretch>
               <a:fillRect/>
             </a:stretch>
@@ -2413,7 +2391,7 @@
             <p:nvPr/>
           </p:nvPicPr>
           <p:blipFill>
-            <a:blip r:embed="rId13" cstate="print"/>
+            <a:blip r:embed="rId12" cstate="print"/>
             <a:stretch>
               <a:fillRect/>
             </a:stretch>
@@ -2435,7 +2413,7 @@
             <p:nvPr/>
           </p:nvPicPr>
           <p:blipFill>
-            <a:blip r:embed="rId14" cstate="print"/>
+            <a:blip r:embed="rId13" cstate="print"/>
             <a:stretch>
               <a:fillRect/>
             </a:stretch>
@@ -4526,7 +4504,7 @@
           <p:nvPr/>
         </p:nvPicPr>
         <p:blipFill>
-          <a:blip r:embed="rId15" cstate="print"/>
+          <a:blip r:embed="rId14" cstate="print"/>
           <a:stretch>
             <a:fillRect/>
           </a:stretch>
@@ -4616,7 +4594,7 @@
           <p:nvPr/>
         </p:nvPicPr>
         <p:blipFill>
-          <a:blip r:embed="rId9" cstate="print"/>
+          <a:blip r:embed="rId8" cstate="print"/>
           <a:stretch>
             <a:fillRect/>
           </a:stretch>
@@ -5123,7 +5101,7 @@
           <p:nvPr/>
         </p:nvPicPr>
         <p:blipFill>
-          <a:blip r:embed="rId16">
+          <a:blip r:embed="rId15">
             <a:extLst>
               <a:ext uri="{28A0092B-C50C-407E-A947-70E740481C1C}">
                 <a14:useLocalDpi xmlns:a14="http://schemas.microsoft.com/office/drawing/2010/main" val="0"/>
@@ -5138,6 +5116,42 @@
           <a:xfrm>
             <a:off x="22359849" y="-572699"/>
             <a:ext cx="8551538" cy="8551538"/>
+          </a:xfrm>
+          <a:prstGeom prst="rect">
+            <a:avLst/>
+          </a:prstGeom>
+        </p:spPr>
+      </p:pic>
+      <p:pic>
+        <p:nvPicPr>
+          <p:cNvPr id="12" name="Picture 11">
+            <a:extLst>
+              <a:ext uri="{FF2B5EF4-FFF2-40B4-BE49-F238E27FC236}">
+                <a16:creationId xmlns:a16="http://schemas.microsoft.com/office/drawing/2014/main" id="{4CF88F2E-3BC5-45D7-9FC3-9E63E57D8DD0}"/>
+              </a:ext>
+            </a:extLst>
+          </p:cNvPr>
+          <p:cNvPicPr>
+            <a:picLocks noChangeAspect="1"/>
+          </p:cNvPicPr>
+          <p:nvPr/>
+        </p:nvPicPr>
+        <p:blipFill>
+          <a:blip r:embed="rId16">
+            <a:extLst>
+              <a:ext uri="{28A0092B-C50C-407E-A947-70E740481C1C}">
+                <a14:useLocalDpi xmlns:a14="http://schemas.microsoft.com/office/drawing/2010/main" val="0"/>
+              </a:ext>
+            </a:extLst>
+          </a:blip>
+          <a:stretch>
+            <a:fillRect/>
+          </a:stretch>
+        </p:blipFill>
+        <p:spPr>
+          <a:xfrm>
+            <a:off x="4626747" y="31679789"/>
+            <a:ext cx="2205059" cy="2740646"/>
           </a:xfrm>
           <a:prstGeom prst="rect">
             <a:avLst/>
